--- a/스마트폰 기획.pptx
+++ b/스마트폰 기획.pptx
@@ -2309,7 +2309,7 @@
           <a:p>
             <a:fld id="{7BD728BF-D4DA-4947-9CC7-C4CF4A8E157E}" type="datetimeFigureOut">
               <a:rPr lang="ko-KR" altLang="en-US" smtClean="0"/>
-              <a:t>2020-05-25</a:t>
+              <a:t>2020-05-26</a:t>
             </a:fld>
             <a:endParaRPr lang="ko-KR" altLang="en-US"/>
           </a:p>
@@ -2807,7 +2807,7 @@
           <a:p>
             <a:fld id="{710C92B4-57FE-4845-BC12-D50BF278D50B}" type="datetimeFigureOut">
               <a:rPr lang="ko-KR" altLang="en-US" smtClean="0"/>
-              <a:t>2020-05-25</a:t>
+              <a:t>2020-05-26</a:t>
             </a:fld>
             <a:endParaRPr lang="ko-KR" altLang="en-US"/>
           </a:p>
@@ -3005,7 +3005,7 @@
           <a:p>
             <a:fld id="{710C92B4-57FE-4845-BC12-D50BF278D50B}" type="datetimeFigureOut">
               <a:rPr lang="ko-KR" altLang="en-US" smtClean="0"/>
-              <a:t>2020-05-25</a:t>
+              <a:t>2020-05-26</a:t>
             </a:fld>
             <a:endParaRPr lang="ko-KR" altLang="en-US"/>
           </a:p>
@@ -3213,7 +3213,7 @@
           <a:p>
             <a:fld id="{710C92B4-57FE-4845-BC12-D50BF278D50B}" type="datetimeFigureOut">
               <a:rPr lang="ko-KR" altLang="en-US" smtClean="0"/>
-              <a:t>2020-05-25</a:t>
+              <a:t>2020-05-26</a:t>
             </a:fld>
             <a:endParaRPr lang="ko-KR" altLang="en-US"/>
           </a:p>
@@ -3411,7 +3411,7 @@
           <a:p>
             <a:fld id="{710C92B4-57FE-4845-BC12-D50BF278D50B}" type="datetimeFigureOut">
               <a:rPr lang="ko-KR" altLang="en-US" smtClean="0"/>
-              <a:t>2020-05-25</a:t>
+              <a:t>2020-05-26</a:t>
             </a:fld>
             <a:endParaRPr lang="ko-KR" altLang="en-US"/>
           </a:p>
@@ -3686,7 +3686,7 @@
           <a:p>
             <a:fld id="{710C92B4-57FE-4845-BC12-D50BF278D50B}" type="datetimeFigureOut">
               <a:rPr lang="ko-KR" altLang="en-US" smtClean="0"/>
-              <a:t>2020-05-25</a:t>
+              <a:t>2020-05-26</a:t>
             </a:fld>
             <a:endParaRPr lang="ko-KR" altLang="en-US"/>
           </a:p>
@@ -3951,7 +3951,7 @@
           <a:p>
             <a:fld id="{710C92B4-57FE-4845-BC12-D50BF278D50B}" type="datetimeFigureOut">
               <a:rPr lang="ko-KR" altLang="en-US" smtClean="0"/>
-              <a:t>2020-05-25</a:t>
+              <a:t>2020-05-26</a:t>
             </a:fld>
             <a:endParaRPr lang="ko-KR" altLang="en-US"/>
           </a:p>
@@ -4363,7 +4363,7 @@
           <a:p>
             <a:fld id="{710C92B4-57FE-4845-BC12-D50BF278D50B}" type="datetimeFigureOut">
               <a:rPr lang="ko-KR" altLang="en-US" smtClean="0"/>
-              <a:t>2020-05-25</a:t>
+              <a:t>2020-05-26</a:t>
             </a:fld>
             <a:endParaRPr lang="ko-KR" altLang="en-US"/>
           </a:p>
@@ -4504,7 +4504,7 @@
           <a:p>
             <a:fld id="{710C92B4-57FE-4845-BC12-D50BF278D50B}" type="datetimeFigureOut">
               <a:rPr lang="ko-KR" altLang="en-US" smtClean="0"/>
-              <a:t>2020-05-25</a:t>
+              <a:t>2020-05-26</a:t>
             </a:fld>
             <a:endParaRPr lang="ko-KR" altLang="en-US"/>
           </a:p>
@@ -4617,7 +4617,7 @@
           <a:p>
             <a:fld id="{710C92B4-57FE-4845-BC12-D50BF278D50B}" type="datetimeFigureOut">
               <a:rPr lang="ko-KR" altLang="en-US" smtClean="0"/>
-              <a:t>2020-05-25</a:t>
+              <a:t>2020-05-26</a:t>
             </a:fld>
             <a:endParaRPr lang="ko-KR" altLang="en-US"/>
           </a:p>
@@ -4928,7 +4928,7 @@
           <a:p>
             <a:fld id="{710C92B4-57FE-4845-BC12-D50BF278D50B}" type="datetimeFigureOut">
               <a:rPr lang="ko-KR" altLang="en-US" smtClean="0"/>
-              <a:t>2020-05-25</a:t>
+              <a:t>2020-05-26</a:t>
             </a:fld>
             <a:endParaRPr lang="ko-KR" altLang="en-US"/>
           </a:p>
@@ -5216,7 +5216,7 @@
           <a:p>
             <a:fld id="{710C92B4-57FE-4845-BC12-D50BF278D50B}" type="datetimeFigureOut">
               <a:rPr lang="ko-KR" altLang="en-US" smtClean="0"/>
-              <a:t>2020-05-25</a:t>
+              <a:t>2020-05-26</a:t>
             </a:fld>
             <a:endParaRPr lang="ko-KR" altLang="en-US"/>
           </a:p>
@@ -5457,7 +5457,7 @@
           <a:p>
             <a:fld id="{710C92B4-57FE-4845-BC12-D50BF278D50B}" type="datetimeFigureOut">
               <a:rPr lang="ko-KR" altLang="en-US" smtClean="0"/>
-              <a:t>2020-05-25</a:t>
+              <a:t>2020-05-26</a:t>
             </a:fld>
             <a:endParaRPr lang="ko-KR" altLang="en-US"/>
           </a:p>
@@ -11262,6 +11262,45 @@
           </a:p>
         </p:txBody>
       </p:sp>
+      <p:pic>
+        <p:nvPicPr>
+          <p:cNvPr id="13" name="그래픽 12" descr="무선 마이크">
+            <a:extLst>
+              <a:ext uri="{FF2B5EF4-FFF2-40B4-BE49-F238E27FC236}">
+                <a16:creationId xmlns:a16="http://schemas.microsoft.com/office/drawing/2014/main" id="{1CA314E1-D5F7-4675-B60E-FBFA067899AB}"/>
+              </a:ext>
+            </a:extLst>
+          </p:cNvPr>
+          <p:cNvPicPr>
+            <a:picLocks noChangeAspect="1"/>
+          </p:cNvPicPr>
+          <p:nvPr/>
+        </p:nvPicPr>
+        <p:blipFill>
+          <a:blip r:embed="rId26">
+            <a:extLst>
+              <a:ext uri="{28A0092B-C50C-407E-A947-70E740481C1C}">
+                <a14:useLocalDpi xmlns:a14="http://schemas.microsoft.com/office/drawing/2010/main" val="0"/>
+              </a:ext>
+              <a:ext uri="{96DAC541-7B7A-43D3-8B79-37D633B846F1}">
+                <asvg:svgBlip xmlns:asvg="http://schemas.microsoft.com/office/drawing/2016/SVG/main" r:embed="rId27"/>
+              </a:ext>
+            </a:extLst>
+          </a:blip>
+          <a:stretch>
+            <a:fillRect/>
+          </a:stretch>
+        </p:blipFill>
+        <p:spPr>
+          <a:xfrm>
+            <a:off x="2697945" y="1710154"/>
+            <a:ext cx="346662" cy="346662"/>
+          </a:xfrm>
+          <a:prstGeom prst="rect">
+            <a:avLst/>
+          </a:prstGeom>
+        </p:spPr>
+      </p:pic>
     </p:spTree>
     <p:extLst>
       <p:ext uri="{BB962C8B-B14F-4D97-AF65-F5344CB8AC3E}">

--- a/스마트폰 기획.pptx
+++ b/스마트폰 기획.pptx
@@ -2309,7 +2309,7 @@
           <a:p>
             <a:fld id="{7BD728BF-D4DA-4947-9CC7-C4CF4A8E157E}" type="datetimeFigureOut">
               <a:rPr lang="ko-KR" altLang="en-US" smtClean="0"/>
-              <a:t>2020-05-26</a:t>
+              <a:t>2020-05-28</a:t>
             </a:fld>
             <a:endParaRPr lang="ko-KR" altLang="en-US"/>
           </a:p>
@@ -2807,7 +2807,7 @@
           <a:p>
             <a:fld id="{710C92B4-57FE-4845-BC12-D50BF278D50B}" type="datetimeFigureOut">
               <a:rPr lang="ko-KR" altLang="en-US" smtClean="0"/>
-              <a:t>2020-05-26</a:t>
+              <a:t>2020-05-28</a:t>
             </a:fld>
             <a:endParaRPr lang="ko-KR" altLang="en-US"/>
           </a:p>
@@ -3005,7 +3005,7 @@
           <a:p>
             <a:fld id="{710C92B4-57FE-4845-BC12-D50BF278D50B}" type="datetimeFigureOut">
               <a:rPr lang="ko-KR" altLang="en-US" smtClean="0"/>
-              <a:t>2020-05-26</a:t>
+              <a:t>2020-05-28</a:t>
             </a:fld>
             <a:endParaRPr lang="ko-KR" altLang="en-US"/>
           </a:p>
@@ -3213,7 +3213,7 @@
           <a:p>
             <a:fld id="{710C92B4-57FE-4845-BC12-D50BF278D50B}" type="datetimeFigureOut">
               <a:rPr lang="ko-KR" altLang="en-US" smtClean="0"/>
-              <a:t>2020-05-26</a:t>
+              <a:t>2020-05-28</a:t>
             </a:fld>
             <a:endParaRPr lang="ko-KR" altLang="en-US"/>
           </a:p>
@@ -3411,7 +3411,7 @@
           <a:p>
             <a:fld id="{710C92B4-57FE-4845-BC12-D50BF278D50B}" type="datetimeFigureOut">
               <a:rPr lang="ko-KR" altLang="en-US" smtClean="0"/>
-              <a:t>2020-05-26</a:t>
+              <a:t>2020-05-28</a:t>
             </a:fld>
             <a:endParaRPr lang="ko-KR" altLang="en-US"/>
           </a:p>
@@ -3686,7 +3686,7 @@
           <a:p>
             <a:fld id="{710C92B4-57FE-4845-BC12-D50BF278D50B}" type="datetimeFigureOut">
               <a:rPr lang="ko-KR" altLang="en-US" smtClean="0"/>
-              <a:t>2020-05-26</a:t>
+              <a:t>2020-05-28</a:t>
             </a:fld>
             <a:endParaRPr lang="ko-KR" altLang="en-US"/>
           </a:p>
@@ -3951,7 +3951,7 @@
           <a:p>
             <a:fld id="{710C92B4-57FE-4845-BC12-D50BF278D50B}" type="datetimeFigureOut">
               <a:rPr lang="ko-KR" altLang="en-US" smtClean="0"/>
-              <a:t>2020-05-26</a:t>
+              <a:t>2020-05-28</a:t>
             </a:fld>
             <a:endParaRPr lang="ko-KR" altLang="en-US"/>
           </a:p>
@@ -4363,7 +4363,7 @@
           <a:p>
             <a:fld id="{710C92B4-57FE-4845-BC12-D50BF278D50B}" type="datetimeFigureOut">
               <a:rPr lang="ko-KR" altLang="en-US" smtClean="0"/>
-              <a:t>2020-05-26</a:t>
+              <a:t>2020-05-28</a:t>
             </a:fld>
             <a:endParaRPr lang="ko-KR" altLang="en-US"/>
           </a:p>
@@ -4504,7 +4504,7 @@
           <a:p>
             <a:fld id="{710C92B4-57FE-4845-BC12-D50BF278D50B}" type="datetimeFigureOut">
               <a:rPr lang="ko-KR" altLang="en-US" smtClean="0"/>
-              <a:t>2020-05-26</a:t>
+              <a:t>2020-05-28</a:t>
             </a:fld>
             <a:endParaRPr lang="ko-KR" altLang="en-US"/>
           </a:p>
@@ -4617,7 +4617,7 @@
           <a:p>
             <a:fld id="{710C92B4-57FE-4845-BC12-D50BF278D50B}" type="datetimeFigureOut">
               <a:rPr lang="ko-KR" altLang="en-US" smtClean="0"/>
-              <a:t>2020-05-26</a:t>
+              <a:t>2020-05-28</a:t>
             </a:fld>
             <a:endParaRPr lang="ko-KR" altLang="en-US"/>
           </a:p>
@@ -4928,7 +4928,7 @@
           <a:p>
             <a:fld id="{710C92B4-57FE-4845-BC12-D50BF278D50B}" type="datetimeFigureOut">
               <a:rPr lang="ko-KR" altLang="en-US" smtClean="0"/>
-              <a:t>2020-05-26</a:t>
+              <a:t>2020-05-28</a:t>
             </a:fld>
             <a:endParaRPr lang="ko-KR" altLang="en-US"/>
           </a:p>
@@ -5216,7 +5216,7 @@
           <a:p>
             <a:fld id="{710C92B4-57FE-4845-BC12-D50BF278D50B}" type="datetimeFigureOut">
               <a:rPr lang="ko-KR" altLang="en-US" smtClean="0"/>
-              <a:t>2020-05-26</a:t>
+              <a:t>2020-05-28</a:t>
             </a:fld>
             <a:endParaRPr lang="ko-KR" altLang="en-US"/>
           </a:p>
@@ -5457,7 +5457,7 @@
           <a:p>
             <a:fld id="{710C92B4-57FE-4845-BC12-D50BF278D50B}" type="datetimeFigureOut">
               <a:rPr lang="ko-KR" altLang="en-US" smtClean="0"/>
-              <a:t>2020-05-26</a:t>
+              <a:t>2020-05-28</a:t>
             </a:fld>
             <a:endParaRPr lang="ko-KR" altLang="en-US"/>
           </a:p>
@@ -6079,7 +6079,7 @@
         </p:nvSpPr>
         <p:spPr>
           <a:xfrm>
-            <a:off x="8723544" y="5782369"/>
+            <a:off x="4241051" y="3724969"/>
             <a:ext cx="3709898" cy="1075631"/>
           </a:xfrm>
         </p:spPr>
@@ -6090,7 +6090,7 @@
           <a:lstStyle/>
           <a:p>
             <a:r>
-              <a:rPr lang="ko-KR" altLang="en-US" b="1">
+              <a:rPr lang="ko-KR" altLang="en-US" b="1" dirty="0">
                 <a:ea typeface="맑은 고딕"/>
               </a:rPr>
               <a:t>2017180035 장수현</a:t>
@@ -6098,7 +6098,7 @@
           </a:p>
           <a:p>
             <a:r>
-              <a:rPr lang="ko-KR" altLang="en-US" b="1">
+              <a:rPr lang="ko-KR" altLang="en-US" b="1" dirty="0">
                 <a:ea typeface="맑은 고딕"/>
               </a:rPr>
               <a:t>2017182006 김민주</a:t>
